--- a/제출물/07조_허진환_0608.pptx
+++ b/제출물/07조_허진환_0608.pptx
@@ -281,7 +281,7 @@
           <a:p>
             <a:fld id="{F3B34B3F-010A-43D0-B99E-3343AD573276}" type="datetimeFigureOut">
               <a:rPr lang="ko-KR" altLang="en-US" smtClean="0"/>
-              <a:t>2023-06-07</a:t>
+              <a:t>2023-06-08</a:t>
             </a:fld>
             <a:endParaRPr lang="ko-KR" altLang="en-US"/>
           </a:p>
@@ -479,7 +479,7 @@
           <a:p>
             <a:fld id="{F3B34B3F-010A-43D0-B99E-3343AD573276}" type="datetimeFigureOut">
               <a:rPr lang="ko-KR" altLang="en-US" smtClean="0"/>
-              <a:t>2023-06-07</a:t>
+              <a:t>2023-06-08</a:t>
             </a:fld>
             <a:endParaRPr lang="ko-KR" altLang="en-US"/>
           </a:p>
@@ -687,7 +687,7 @@
           <a:p>
             <a:fld id="{F3B34B3F-010A-43D0-B99E-3343AD573276}" type="datetimeFigureOut">
               <a:rPr lang="ko-KR" altLang="en-US" smtClean="0"/>
-              <a:t>2023-06-07</a:t>
+              <a:t>2023-06-08</a:t>
             </a:fld>
             <a:endParaRPr lang="ko-KR" altLang="en-US"/>
           </a:p>
@@ -885,7 +885,7 @@
           <a:p>
             <a:fld id="{F3B34B3F-010A-43D0-B99E-3343AD573276}" type="datetimeFigureOut">
               <a:rPr lang="ko-KR" altLang="en-US" smtClean="0"/>
-              <a:t>2023-06-07</a:t>
+              <a:t>2023-06-08</a:t>
             </a:fld>
             <a:endParaRPr lang="ko-KR" altLang="en-US"/>
           </a:p>
@@ -1160,7 +1160,7 @@
           <a:p>
             <a:fld id="{F3B34B3F-010A-43D0-B99E-3343AD573276}" type="datetimeFigureOut">
               <a:rPr lang="ko-KR" altLang="en-US" smtClean="0"/>
-              <a:t>2023-06-07</a:t>
+              <a:t>2023-06-08</a:t>
             </a:fld>
             <a:endParaRPr lang="ko-KR" altLang="en-US"/>
           </a:p>
@@ -1425,7 +1425,7 @@
           <a:p>
             <a:fld id="{F3B34B3F-010A-43D0-B99E-3343AD573276}" type="datetimeFigureOut">
               <a:rPr lang="ko-KR" altLang="en-US" smtClean="0"/>
-              <a:t>2023-06-07</a:t>
+              <a:t>2023-06-08</a:t>
             </a:fld>
             <a:endParaRPr lang="ko-KR" altLang="en-US"/>
           </a:p>
@@ -1837,7 +1837,7 @@
           <a:p>
             <a:fld id="{F3B34B3F-010A-43D0-B99E-3343AD573276}" type="datetimeFigureOut">
               <a:rPr lang="ko-KR" altLang="en-US" smtClean="0"/>
-              <a:t>2023-06-07</a:t>
+              <a:t>2023-06-08</a:t>
             </a:fld>
             <a:endParaRPr lang="ko-KR" altLang="en-US"/>
           </a:p>
@@ -1978,7 +1978,7 @@
           <a:p>
             <a:fld id="{F3B34B3F-010A-43D0-B99E-3343AD573276}" type="datetimeFigureOut">
               <a:rPr lang="ko-KR" altLang="en-US" smtClean="0"/>
-              <a:t>2023-06-07</a:t>
+              <a:t>2023-06-08</a:t>
             </a:fld>
             <a:endParaRPr lang="ko-KR" altLang="en-US"/>
           </a:p>
@@ -2091,7 +2091,7 @@
           <a:p>
             <a:fld id="{F3B34B3F-010A-43D0-B99E-3343AD573276}" type="datetimeFigureOut">
               <a:rPr lang="ko-KR" altLang="en-US" smtClean="0"/>
-              <a:t>2023-06-07</a:t>
+              <a:t>2023-06-08</a:t>
             </a:fld>
             <a:endParaRPr lang="ko-KR" altLang="en-US"/>
           </a:p>
@@ -2509,7 +2509,7 @@
           <a:p>
             <a:fld id="{F3B34B3F-010A-43D0-B99E-3343AD573276}" type="datetimeFigureOut">
               <a:rPr lang="ko-KR" altLang="en-US" smtClean="0"/>
-              <a:t>2023-06-07</a:t>
+              <a:t>2023-06-08</a:t>
             </a:fld>
             <a:endParaRPr lang="ko-KR" altLang="en-US"/>
           </a:p>
@@ -2797,7 +2797,7 @@
           <a:p>
             <a:fld id="{F3B34B3F-010A-43D0-B99E-3343AD573276}" type="datetimeFigureOut">
               <a:rPr lang="ko-KR" altLang="en-US" smtClean="0"/>
-              <a:t>2023-06-07</a:t>
+              <a:t>2023-06-08</a:t>
             </a:fld>
             <a:endParaRPr lang="ko-KR" altLang="en-US"/>
           </a:p>
@@ -3038,7 +3038,7 @@
           <a:p>
             <a:fld id="{F3B34B3F-010A-43D0-B99E-3343AD573276}" type="datetimeFigureOut">
               <a:rPr lang="ko-KR" altLang="en-US" smtClean="0"/>
-              <a:t>2023-06-07</a:t>
+              <a:t>2023-06-08</a:t>
             </a:fld>
             <a:endParaRPr lang="ko-KR" altLang="en-US"/>
           </a:p>
@@ -3643,19 +3643,16 @@
                     </a:prstClr>
                   </a:solidFill>
                 </a:rPr>
-                <a:t>최저가 상품 검색 서버</a:t>
+                <a:t>상품 검색 쇼핑몰</a:t>
               </a:r>
-              <a:r>
-                <a:rPr lang="en-US" altLang="ko-KR" sz="2800" b="1" i="1" kern="0" dirty="0">
-                  <a:solidFill>
-                    <a:prstClr val="black">
-                      <a:lumMod val="75000"/>
-                      <a:lumOff val="25000"/>
-                    </a:prstClr>
-                  </a:solidFill>
-                </a:rPr>
-                <a:t> </a:t>
-              </a:r>
+              <a:endParaRPr lang="en-US" altLang="ko-KR" sz="2800" b="1" i="1" kern="0" dirty="0">
+                <a:solidFill>
+                  <a:prstClr val="black">
+                    <a:lumMod val="75000"/>
+                    <a:lumOff val="25000"/>
+                  </a:prstClr>
+                </a:solidFill>
+              </a:endParaRPr>
             </a:p>
             <a:p>
               <a:pPr algn="ctr" latinLnBrk="0">

--- a/제출물/07조_허진환_0608.pptx
+++ b/제출물/07조_허진환_0608.pptx
@@ -3678,7 +3678,7 @@
                 <a:defRPr/>
               </a:pPr>
               <a:r>
-                <a:rPr lang="en-US" altLang="ko-KR" sz="800" kern="0" dirty="0">
+                <a:rPr lang="en-US" altLang="ko-KR" sz="1200" kern="0" dirty="0">
                   <a:solidFill>
                     <a:prstClr val="black">
                       <a:lumMod val="75000"/>
@@ -3689,7 +3689,7 @@
                 <a:t>7</a:t>
               </a:r>
               <a:r>
-                <a:rPr lang="ko-KR" altLang="en-US" sz="800" kern="0" dirty="0">
+                <a:rPr lang="ko-KR" altLang="en-US" sz="1200" kern="0" dirty="0">
                   <a:solidFill>
                     <a:prstClr val="black">
                       <a:lumMod val="75000"/>
@@ -3699,7 +3699,7 @@
                 </a:rPr>
                 <a:t>조</a:t>
               </a:r>
-              <a:endParaRPr lang="en-US" altLang="ko-KR" sz="800" kern="0" dirty="0">
+              <a:endParaRPr lang="en-US" altLang="ko-KR" sz="1200" kern="0" dirty="0">
                 <a:solidFill>
                   <a:prstClr val="black">
                     <a:lumMod val="75000"/>
@@ -3716,7 +3716,7 @@
                 <a:defRPr/>
               </a:pPr>
               <a:r>
-                <a:rPr lang="ko-KR" altLang="en-US" sz="800" kern="0" dirty="0">
+                <a:rPr lang="ko-KR" altLang="en-US" sz="1200" kern="0" dirty="0">
                   <a:solidFill>
                     <a:prstClr val="black">
                       <a:lumMod val="75000"/>
@@ -3727,7 +3727,7 @@
                 <a:t>팀장</a:t>
               </a:r>
               <a:r>
-                <a:rPr lang="en-US" altLang="ko-KR" sz="800" kern="0" dirty="0">
+                <a:rPr lang="en-US" altLang="ko-KR" sz="1200" kern="0" dirty="0">
                   <a:solidFill>
                     <a:prstClr val="black">
                       <a:lumMod val="75000"/>
@@ -3738,7 +3738,7 @@
                 <a:t>: </a:t>
               </a:r>
               <a:r>
-                <a:rPr lang="ko-KR" altLang="en-US" sz="800" kern="0" dirty="0">
+                <a:rPr lang="ko-KR" altLang="en-US" sz="1200" kern="0" dirty="0">
                   <a:solidFill>
                     <a:prstClr val="black">
                       <a:lumMod val="75000"/>
@@ -3749,7 +3749,7 @@
                 <a:t>허진환</a:t>
               </a:r>
               <a:r>
-                <a:rPr lang="en-US" altLang="ko-KR" sz="800" kern="0" dirty="0">
+                <a:rPr lang="en-US" altLang="ko-KR" sz="1200" kern="0" dirty="0">
                   <a:solidFill>
                     <a:prstClr val="black">
                       <a:lumMod val="75000"/>
@@ -3760,7 +3760,7 @@
                 <a:t>(</a:t>
               </a:r>
               <a:r>
-                <a:rPr lang="ko-KR" altLang="en-US" sz="800" kern="0" dirty="0">
+                <a:rPr lang="ko-KR" altLang="en-US" sz="1200" kern="0" dirty="0">
                   <a:solidFill>
                     <a:prstClr val="black">
                       <a:lumMod val="75000"/>
@@ -3771,7 +3771,7 @@
                 <a:t>보고서 작성</a:t>
               </a:r>
               <a:r>
-                <a:rPr lang="en-US" altLang="ko-KR" sz="800" kern="0" dirty="0">
+                <a:rPr lang="en-US" altLang="ko-KR" sz="1200" kern="0" dirty="0">
                   <a:solidFill>
                     <a:prstClr val="black">
                       <a:lumMod val="75000"/>
@@ -3782,7 +3782,7 @@
                 <a:t>, </a:t>
               </a:r>
               <a:r>
-                <a:rPr lang="ko-KR" altLang="en-US" sz="800" kern="0" dirty="0">
+                <a:rPr lang="ko-KR" altLang="en-US" sz="1200" kern="0" dirty="0">
                   <a:solidFill>
                     <a:prstClr val="black">
                       <a:lumMod val="75000"/>
@@ -3793,7 +3793,7 @@
                 <a:t>가상머신 환경 설정 및 웹서버 구축</a:t>
               </a:r>
               <a:r>
-                <a:rPr lang="en-US" altLang="ko-KR" sz="800" kern="0" dirty="0">
+                <a:rPr lang="en-US" altLang="ko-KR" sz="1200" kern="0" dirty="0">
                   <a:solidFill>
                     <a:prstClr val="black">
                       <a:lumMod val="75000"/>
@@ -3804,7 +3804,7 @@
                 <a:t>/DB </a:t>
               </a:r>
               <a:r>
-                <a:rPr lang="ko-KR" altLang="en-US" sz="800" kern="0" dirty="0">
+                <a:rPr lang="ko-KR" altLang="en-US" sz="1200" kern="0" dirty="0">
                   <a:solidFill>
                     <a:prstClr val="black">
                       <a:lumMod val="75000"/>
@@ -3815,7 +3815,7 @@
                 <a:t>관리</a:t>
               </a:r>
               <a:r>
-                <a:rPr lang="en-US" altLang="ko-KR" sz="800" kern="0" dirty="0">
+                <a:rPr lang="en-US" altLang="ko-KR" sz="1200" kern="0" dirty="0">
                   <a:solidFill>
                     <a:prstClr val="black">
                       <a:lumMod val="75000"/>
@@ -3834,7 +3834,7 @@
                 <a:defRPr/>
               </a:pPr>
               <a:r>
-                <a:rPr lang="en-US" altLang="ko-KR" sz="800" kern="0" dirty="0">
+                <a:rPr lang="en-US" altLang="ko-KR" sz="1200" kern="0" dirty="0">
                   <a:solidFill>
                     <a:prstClr val="black">
                       <a:lumMod val="75000"/>
@@ -3845,7 +3845,7 @@
                 <a:t> </a:t>
               </a:r>
               <a:r>
-                <a:rPr lang="ko-KR" altLang="en-US" sz="800" kern="0" dirty="0">
+                <a:rPr lang="ko-KR" altLang="en-US" sz="1200" kern="0" dirty="0">
                   <a:solidFill>
                     <a:prstClr val="black">
                       <a:lumMod val="75000"/>
@@ -3856,7 +3856,7 @@
                 <a:t>팀원</a:t>
               </a:r>
               <a:r>
-                <a:rPr lang="en-US" altLang="ko-KR" sz="800" kern="0" dirty="0">
+                <a:rPr lang="en-US" altLang="ko-KR" sz="1200" kern="0" dirty="0">
                   <a:solidFill>
                     <a:prstClr val="black">
                       <a:lumMod val="75000"/>
@@ -3867,7 +3867,7 @@
                 <a:t>: </a:t>
               </a:r>
               <a:r>
-                <a:rPr lang="ko-KR" altLang="en-US" sz="800" kern="0" dirty="0">
+                <a:rPr lang="ko-KR" altLang="en-US" sz="1200" kern="0" dirty="0">
                   <a:solidFill>
                     <a:prstClr val="black">
                       <a:lumMod val="75000"/>
@@ -3878,7 +3878,7 @@
                 <a:t>김태현</a:t>
               </a:r>
               <a:r>
-                <a:rPr lang="en-US" altLang="ko-KR" sz="800" kern="0" dirty="0">
+                <a:rPr lang="en-US" altLang="ko-KR" sz="1200" kern="0" dirty="0">
                   <a:solidFill>
                     <a:prstClr val="black">
                       <a:lumMod val="75000"/>
@@ -3889,7 +3889,7 @@
                 <a:t>(</a:t>
               </a:r>
               <a:r>
-                <a:rPr lang="ko-KR" altLang="en-US" sz="800" kern="0" dirty="0">
+                <a:rPr lang="ko-KR" altLang="en-US" sz="1200" kern="0" dirty="0">
                   <a:solidFill>
                     <a:prstClr val="black">
                       <a:lumMod val="75000"/>
@@ -3900,7 +3900,7 @@
                 <a:t>회의록 작성</a:t>
               </a:r>
               <a:r>
-                <a:rPr lang="en-US" altLang="ko-KR" sz="800" kern="0" dirty="0">
+                <a:rPr lang="en-US" altLang="ko-KR" sz="1200" kern="0" dirty="0">
                   <a:solidFill>
                     <a:prstClr val="black">
                       <a:lumMod val="75000"/>
@@ -3919,7 +3919,7 @@
                 <a:defRPr/>
               </a:pPr>
               <a:r>
-                <a:rPr lang="en-US" altLang="ko-KR" sz="800" kern="0" dirty="0">
+                <a:rPr lang="en-US" altLang="ko-KR" sz="1200" kern="0" dirty="0">
                   <a:solidFill>
                     <a:prstClr val="black">
                       <a:lumMod val="75000"/>
@@ -3930,7 +3930,7 @@
                 <a:t> </a:t>
               </a:r>
               <a:r>
-                <a:rPr lang="ko-KR" altLang="en-US" sz="800" kern="0" dirty="0">
+                <a:rPr lang="ko-KR" altLang="en-US" sz="1200" kern="0" dirty="0">
                   <a:solidFill>
                     <a:prstClr val="black">
                       <a:lumMod val="75000"/>
@@ -3941,7 +3941,7 @@
                 <a:t>팀원</a:t>
               </a:r>
               <a:r>
-                <a:rPr lang="en-US" altLang="ko-KR" sz="800" kern="0" dirty="0">
+                <a:rPr lang="en-US" altLang="ko-KR" sz="1200" kern="0" dirty="0">
                   <a:solidFill>
                     <a:prstClr val="black">
                       <a:lumMod val="75000"/>
@@ -3952,7 +3952,7 @@
                 <a:t>: </a:t>
               </a:r>
               <a:r>
-                <a:rPr lang="ko-KR" altLang="en-US" sz="800" kern="0" dirty="0">
+                <a:rPr lang="ko-KR" altLang="en-US" sz="1200" kern="0" dirty="0">
                   <a:solidFill>
                     <a:prstClr val="black">
                       <a:lumMod val="75000"/>
@@ -3963,7 +3963,7 @@
                 <a:t>정재호</a:t>
               </a:r>
               <a:r>
-                <a:rPr lang="en-US" altLang="ko-KR" sz="800" kern="0" dirty="0">
+                <a:rPr lang="en-US" altLang="ko-KR" sz="1200" kern="0" dirty="0">
                   <a:solidFill>
                     <a:prstClr val="black">
                       <a:lumMod val="75000"/>
@@ -3974,7 +3974,7 @@
                 <a:t>(</a:t>
               </a:r>
               <a:r>
-                <a:rPr lang="ko-KR" altLang="en-US" sz="800" kern="0" dirty="0">
+                <a:rPr lang="ko-KR" altLang="en-US" sz="1200" kern="0" dirty="0">
                   <a:solidFill>
                     <a:prstClr val="black">
                       <a:lumMod val="75000"/>
@@ -3985,7 +3985,7 @@
                 <a:t>자료조사</a:t>
               </a:r>
               <a:r>
-                <a:rPr lang="en-US" altLang="ko-KR" sz="800" kern="0" dirty="0">
+                <a:rPr lang="en-US" altLang="ko-KR" sz="1200" kern="0" dirty="0">
                   <a:solidFill>
                     <a:prstClr val="black">
                       <a:lumMod val="75000"/>
@@ -3995,7 +3995,7 @@
                 </a:rPr>
                 <a:t>, Ranking Algorithm Function/UI Programming)</a:t>
               </a:r>
-              <a:endParaRPr lang="ko-KR" altLang="en-US" sz="5400" kern="0" dirty="0">
+              <a:endParaRPr lang="ko-KR" altLang="en-US" sz="1200" kern="0" dirty="0">
                 <a:solidFill>
                   <a:prstClr val="black">
                     <a:lumMod val="75000"/>
